--- a/COMP270/02/2020-21-COMP270-02-lecture-materials-3.pptx
+++ b/COMP270/02/2020-21-COMP270-02-lecture-materials-3.pptx
@@ -143,6 +143,35 @@
 </p:presentation>
 </file>
 
+<file path=ppt/changesInfos/changesInfo1.xml><?xml version="1.0" encoding="utf-8"?>
+<pc:chgInfo xmlns:a="http://schemas.openxmlformats.org/drawingml/2006/main" xmlns:r="http://schemas.openxmlformats.org/officeDocument/2006/relationships" xmlns:ac="http://schemas.microsoft.com/office/drawing/2013/main/command" xmlns:pc="http://schemas.microsoft.com/office/powerpoint/2013/main/command">
+  <pc:docChgLst>
+    <pc:chgData name="Adams, Hamish" userId="1142255d-b4ce-447f-8b46-446b7b566b7f" providerId="ADAL" clId="{B57436B3-1283-7741-9928-C3210EF70843}"/>
+    <pc:docChg chg="modSld">
+      <pc:chgData name="Adams, Hamish" userId="1142255d-b4ce-447f-8b46-446b7b566b7f" providerId="ADAL" clId="{B57436B3-1283-7741-9928-C3210EF70843}" dt="2020-08-26T09:36:20.569" v="211" actId="962"/>
+      <pc:docMkLst>
+        <pc:docMk/>
+      </pc:docMkLst>
+      <pc:sldChg chg="modSp mod">
+        <pc:chgData name="Adams, Hamish" userId="1142255d-b4ce-447f-8b46-446b7b566b7f" providerId="ADAL" clId="{B57436B3-1283-7741-9928-C3210EF70843}" dt="2020-08-26T09:36:20.569" v="211" actId="962"/>
+        <pc:sldMkLst>
+          <pc:docMk/>
+          <pc:sldMk cId="1200658879" sldId="313"/>
+        </pc:sldMkLst>
+        <pc:picChg chg="mod">
+          <ac:chgData name="Adams, Hamish" userId="1142255d-b4ce-447f-8b46-446b7b566b7f" providerId="ADAL" clId="{B57436B3-1283-7741-9928-C3210EF70843}" dt="2020-08-26T09:36:20.569" v="211" actId="962"/>
+          <ac:picMkLst>
+            <pc:docMk/>
+            <pc:sldMk cId="1200658879" sldId="313"/>
+            <ac:picMk id="8" creationId="{19DA2BCF-D8AF-4E4F-8DF1-C446DA6262AC}"/>
+          </ac:picMkLst>
+        </pc:picChg>
+      </pc:sldChg>
+    </pc:docChg>
+  </pc:docChgLst>
+</pc:chgInfo>
+</file>
+
 <file path=ppt/handoutMasters/handoutMaster1.xml><?xml version="1.0" encoding="utf-8"?>
 <p:handoutMaster xmlns:a="http://schemas.openxmlformats.org/drawingml/2006/main" xmlns:r="http://schemas.openxmlformats.org/officeDocument/2006/relationships" xmlns:p="http://schemas.openxmlformats.org/presentationml/2006/main">
   <p:cSld>
@@ -225,7 +254,7 @@
           <a:p>
             <a:fld id="{8906F081-8781-4431-8FD4-2CF608CD7C47}" type="datetimeFigureOut">
               <a:rPr lang="en-US" smtClean="0"/>
-              <a:t>8/7/2020</a:t>
+              <a:t>8/28/2020</a:t>
             </a:fld>
             <a:endParaRPr lang="en-US"/>
           </a:p>
@@ -390,7 +419,7 @@
           <a:p>
             <a:fld id="{F06CA47C-B7FD-4BE9-B0E6-81BA758D95F2}" type="datetimeFigureOut">
               <a:rPr lang="en-US" smtClean="0"/>
-              <a:t>8/7/2020</a:t>
+              <a:t>8/28/2020</a:t>
             </a:fld>
             <a:endParaRPr lang="en-US"/>
           </a:p>
@@ -701,7 +730,10 @@
           <a:bodyPr/>
           <a:lstStyle/>
           <a:p>
-            <a:endParaRPr lang="en-US" dirty="0"/>
+            <a:r>
+              <a:rPr lang="en-US" dirty="0"/>
+              <a:t>We’re going to take a short break from geometry to start the third part of this week’s content, and extend some of the ideas about numbers we introduced last week to functions and discretization,</a:t>
+            </a:r>
           </a:p>
         </p:txBody>
       </p:sp>
@@ -732,6 +764,303 @@
     <p:extLst>
       <p:ext uri="{BB962C8B-B14F-4D97-AF65-F5344CB8AC3E}">
         <p14:creationId xmlns:p14="http://schemas.microsoft.com/office/powerpoint/2010/main" val="456846656"/>
+      </p:ext>
+    </p:extLst>
+  </p:cSld>
+  <p:clrMapOvr>
+    <a:masterClrMapping/>
+  </p:clrMapOvr>
+</p:notes>
+</file>
+
+<file path=ppt/notesSlides/notesSlide10.xml><?xml version="1.0" encoding="utf-8"?>
+<p:notes xmlns:a="http://schemas.openxmlformats.org/drawingml/2006/main" xmlns:r="http://schemas.openxmlformats.org/officeDocument/2006/relationships" xmlns:p="http://schemas.openxmlformats.org/presentationml/2006/main">
+  <p:cSld>
+    <p:spTree>
+      <p:nvGrpSpPr>
+        <p:cNvPr id="1" name=""/>
+        <p:cNvGrpSpPr/>
+        <p:nvPr/>
+      </p:nvGrpSpPr>
+      <p:grpSpPr>
+        <a:xfrm>
+          <a:off x="0" y="0"/>
+          <a:ext cx="0" cy="0"/>
+          <a:chOff x="0" y="0"/>
+          <a:chExt cx="0" cy="0"/>
+        </a:xfrm>
+      </p:grpSpPr>
+      <p:sp>
+        <p:nvSpPr>
+          <p:cNvPr id="2" name="Slide Image Placeholder 1"/>
+          <p:cNvSpPr>
+            <a:spLocks noGrp="1" noRot="1" noChangeAspect="1"/>
+          </p:cNvSpPr>
+          <p:nvPr>
+            <p:ph type="sldImg"/>
+          </p:nvPr>
+        </p:nvSpPr>
+        <p:spPr/>
+      </p:sp>
+      <p:sp>
+        <p:nvSpPr>
+          <p:cNvPr id="3" name="Notes Placeholder 2"/>
+          <p:cNvSpPr>
+            <a:spLocks noGrp="1"/>
+          </p:cNvSpPr>
+          <p:nvPr>
+            <p:ph type="body" idx="1"/>
+          </p:nvPr>
+        </p:nvSpPr>
+        <p:spPr/>
+        <p:txBody>
+          <a:bodyPr/>
+          <a:lstStyle/>
+          <a:p>
+            <a:r>
+              <a:rPr lang="en-GB" dirty="0"/>
+              <a:t>If we take a simple linear function, we can just draw a straight line through the two points, the simplest one to find being the ones on the x and y axes. </a:t>
+            </a:r>
+          </a:p>
+          <a:p>
+            <a:endParaRPr lang="en-GB" dirty="0"/>
+          </a:p>
+          <a:p>
+            <a:r>
+              <a:rPr lang="en-GB" dirty="0"/>
+              <a:t>This is obvious with pencil and paper, and in fact pretty easy on a computer too, as most graphics packages include a line primitive, however things get trickier with even slightly more complex functions.</a:t>
+            </a:r>
+          </a:p>
+        </p:txBody>
+      </p:sp>
+      <p:sp>
+        <p:nvSpPr>
+          <p:cNvPr id="4" name="Slide Number Placeholder 3"/>
+          <p:cNvSpPr>
+            <a:spLocks noGrp="1"/>
+          </p:cNvSpPr>
+          <p:nvPr>
+            <p:ph type="sldNum" sz="quarter" idx="5"/>
+          </p:nvPr>
+        </p:nvSpPr>
+        <p:spPr/>
+        <p:txBody>
+          <a:bodyPr/>
+          <a:lstStyle/>
+          <a:p>
+            <a:fld id="{923716F0-385D-4F6E-BE54-A09D410D24C2}" type="slidenum">
+              <a:rPr lang="en-US" smtClean="0"/>
+              <a:t>10</a:t>
+            </a:fld>
+            <a:endParaRPr lang="en-US"/>
+          </a:p>
+        </p:txBody>
+      </p:sp>
+    </p:spTree>
+    <p:extLst>
+      <p:ext uri="{BB962C8B-B14F-4D97-AF65-F5344CB8AC3E}">
+        <p14:creationId xmlns:p14="http://schemas.microsoft.com/office/powerpoint/2010/main" val="2589138690"/>
+      </p:ext>
+    </p:extLst>
+  </p:cSld>
+  <p:clrMapOvr>
+    <a:masterClrMapping/>
+  </p:clrMapOvr>
+</p:notes>
+</file>
+
+<file path=ppt/notesSlides/notesSlide11.xml><?xml version="1.0" encoding="utf-8"?>
+<p:notes xmlns:a="http://schemas.openxmlformats.org/drawingml/2006/main" xmlns:r="http://schemas.openxmlformats.org/officeDocument/2006/relationships" xmlns:p="http://schemas.openxmlformats.org/presentationml/2006/main">
+  <p:cSld>
+    <p:spTree>
+      <p:nvGrpSpPr>
+        <p:cNvPr id="1" name=""/>
+        <p:cNvGrpSpPr/>
+        <p:nvPr/>
+      </p:nvGrpSpPr>
+      <p:grpSpPr>
+        <a:xfrm>
+          <a:off x="0" y="0"/>
+          <a:ext cx="0" cy="0"/>
+          <a:chOff x="0" y="0"/>
+          <a:chExt cx="0" cy="0"/>
+        </a:xfrm>
+      </p:grpSpPr>
+      <p:sp>
+        <p:nvSpPr>
+          <p:cNvPr id="2" name="Slide Image Placeholder 1"/>
+          <p:cNvSpPr>
+            <a:spLocks noGrp="1" noRot="1" noChangeAspect="1"/>
+          </p:cNvSpPr>
+          <p:nvPr>
+            <p:ph type="sldImg"/>
+          </p:nvPr>
+        </p:nvSpPr>
+        <p:spPr/>
+      </p:sp>
+      <p:sp>
+        <p:nvSpPr>
+          <p:cNvPr id="3" name="Notes Placeholder 2"/>
+          <p:cNvSpPr>
+            <a:spLocks noGrp="1"/>
+          </p:cNvSpPr>
+          <p:nvPr>
+            <p:ph type="body" idx="1"/>
+          </p:nvPr>
+        </p:nvSpPr>
+        <p:spPr/>
+        <p:txBody>
+          <a:bodyPr/>
+          <a:lstStyle/>
+          <a:p>
+            <a:r>
+              <a:rPr lang="en-GB" dirty="0"/>
+              <a:t>For example, here’s a quadratic function. This time, if we look for the points on the axes, we get three, because of the two roots for y = 0;</a:t>
+            </a:r>
+          </a:p>
+          <a:p>
+            <a:endParaRPr lang="en-GB" dirty="0"/>
+          </a:p>
+          <a:p>
+            <a:r>
+              <a:rPr lang="en-GB" dirty="0"/>
+              <a:t>If we draw lines through those, we get some kind of approximation of the curve, but it’s certainly not the parabola we’re expecting.</a:t>
+            </a:r>
+          </a:p>
+          <a:p>
+            <a:endParaRPr lang="en-GB" dirty="0"/>
+          </a:p>
+          <a:p>
+            <a:r>
+              <a:rPr lang="en-GB" dirty="0"/>
+              <a:t>We can improve the accuracy by plotting some more points, for example we could evaluate the function at intervals of 2 along x,</a:t>
+            </a:r>
+          </a:p>
+          <a:p>
+            <a:endParaRPr lang="en-GB" dirty="0"/>
+          </a:p>
+          <a:p>
+            <a:r>
+              <a:rPr lang="en-GB" dirty="0"/>
+              <a:t>Which is getting closer; we can improve it further by decreasing the interval. This is something that you’ll notice when you’re completing the first assignment worksheet.</a:t>
+            </a:r>
+          </a:p>
+        </p:txBody>
+      </p:sp>
+      <p:sp>
+        <p:nvSpPr>
+          <p:cNvPr id="4" name="Slide Number Placeholder 3"/>
+          <p:cNvSpPr>
+            <a:spLocks noGrp="1"/>
+          </p:cNvSpPr>
+          <p:nvPr>
+            <p:ph type="sldNum" sz="quarter" idx="5"/>
+          </p:nvPr>
+        </p:nvSpPr>
+        <p:spPr/>
+        <p:txBody>
+          <a:bodyPr/>
+          <a:lstStyle/>
+          <a:p>
+            <a:fld id="{923716F0-385D-4F6E-BE54-A09D410D24C2}" type="slidenum">
+              <a:rPr lang="en-US" smtClean="0"/>
+              <a:t>11</a:t>
+            </a:fld>
+            <a:endParaRPr lang="en-US"/>
+          </a:p>
+        </p:txBody>
+      </p:sp>
+    </p:spTree>
+    <p:extLst>
+      <p:ext uri="{BB962C8B-B14F-4D97-AF65-F5344CB8AC3E}">
+        <p14:creationId xmlns:p14="http://schemas.microsoft.com/office/powerpoint/2010/main" val="3138195435"/>
+      </p:ext>
+    </p:extLst>
+  </p:cSld>
+  <p:clrMapOvr>
+    <a:masterClrMapping/>
+  </p:clrMapOvr>
+</p:notes>
+</file>
+
+<file path=ppt/notesSlides/notesSlide12.xml><?xml version="1.0" encoding="utf-8"?>
+<p:notes xmlns:a="http://schemas.openxmlformats.org/drawingml/2006/main" xmlns:r="http://schemas.openxmlformats.org/officeDocument/2006/relationships" xmlns:p="http://schemas.openxmlformats.org/presentationml/2006/main">
+  <p:cSld>
+    <p:spTree>
+      <p:nvGrpSpPr>
+        <p:cNvPr id="1" name=""/>
+        <p:cNvGrpSpPr/>
+        <p:nvPr/>
+      </p:nvGrpSpPr>
+      <p:grpSpPr>
+        <a:xfrm>
+          <a:off x="0" y="0"/>
+          <a:ext cx="0" cy="0"/>
+          <a:chOff x="0" y="0"/>
+          <a:chExt cx="0" cy="0"/>
+        </a:xfrm>
+      </p:grpSpPr>
+      <p:sp>
+        <p:nvSpPr>
+          <p:cNvPr id="2" name="Slide Image Placeholder 1"/>
+          <p:cNvSpPr>
+            <a:spLocks noGrp="1" noRot="1" noChangeAspect="1"/>
+          </p:cNvSpPr>
+          <p:nvPr>
+            <p:ph type="sldImg"/>
+          </p:nvPr>
+        </p:nvSpPr>
+        <p:spPr/>
+      </p:sp>
+      <p:sp>
+        <p:nvSpPr>
+          <p:cNvPr id="3" name="Notes Placeholder 2"/>
+          <p:cNvSpPr>
+            <a:spLocks noGrp="1"/>
+          </p:cNvSpPr>
+          <p:nvPr>
+            <p:ph type="body" idx="1"/>
+          </p:nvPr>
+        </p:nvSpPr>
+        <p:spPr/>
+        <p:txBody>
+          <a:bodyPr/>
+          <a:lstStyle/>
+          <a:p>
+            <a:r>
+              <a:rPr lang="en-GB" dirty="0"/>
+              <a:t>We can actually use this technique to draw a wide variety of shapes, which we’ll find out how to do in the next video.</a:t>
+            </a:r>
+          </a:p>
+        </p:txBody>
+      </p:sp>
+      <p:sp>
+        <p:nvSpPr>
+          <p:cNvPr id="4" name="Slide Number Placeholder 3"/>
+          <p:cNvSpPr>
+            <a:spLocks noGrp="1"/>
+          </p:cNvSpPr>
+          <p:nvPr>
+            <p:ph type="sldNum" sz="quarter" idx="5"/>
+          </p:nvPr>
+        </p:nvSpPr>
+        <p:spPr/>
+        <p:txBody>
+          <a:bodyPr/>
+          <a:lstStyle/>
+          <a:p>
+            <a:fld id="{923716F0-385D-4F6E-BE54-A09D410D24C2}" type="slidenum">
+              <a:rPr lang="en-US" smtClean="0"/>
+              <a:t>12</a:t>
+            </a:fld>
+            <a:endParaRPr lang="en-US"/>
+          </a:p>
+        </p:txBody>
+      </p:sp>
+    </p:spTree>
+    <p:extLst>
+      <p:ext uri="{BB962C8B-B14F-4D97-AF65-F5344CB8AC3E}">
+        <p14:creationId xmlns:p14="http://schemas.microsoft.com/office/powerpoint/2010/main" val="699519940"/>
       </p:ext>
     </p:extLst>
   </p:cSld>
@@ -787,7 +1116,7 @@
           <a:p>
             <a:r>
               <a:rPr lang="en-GB" dirty="0"/>
-              <a:t>There are other ways we can combine elements from different sets, too…</a:t>
+              <a:t>Looking as usual at the definitions and starting to consider how we can convert a mathematical function into something that can be implemented in code.</a:t>
             </a:r>
           </a:p>
         </p:txBody>
@@ -809,7 +1138,7 @@
           <a:p>
             <a:fld id="{923716F0-385D-4F6E-BE54-A09D410D24C2}" type="slidenum">
               <a:rPr lang="en-US" smtClean="0"/>
-              <a:t>3</a:t>
+              <a:t>2</a:t>
             </a:fld>
             <a:endParaRPr lang="en-US"/>
           </a:p>
@@ -818,7 +1147,7 @@
     </p:spTree>
     <p:extLst>
       <p:ext uri="{BB962C8B-B14F-4D97-AF65-F5344CB8AC3E}">
-        <p14:creationId xmlns:p14="http://schemas.microsoft.com/office/powerpoint/2010/main" val="3941709379"/>
+        <p14:creationId xmlns:p14="http://schemas.microsoft.com/office/powerpoint/2010/main" val="2675529688"/>
       </p:ext>
     </p:extLst>
   </p:cSld>
@@ -874,7 +1203,25 @@
           <a:p>
             <a:r>
               <a:rPr lang="en-GB" dirty="0"/>
-              <a:t>This is unlike some programming languages, which allow multiple values to be returned as tuples or using references. We can draw some other comparisons between functions in maths and in code,</a:t>
+              <a:t>Last week, we met some number systems, and touched on the idea of a set, which is an unordered collection of elements that usually have some characteristics in common.</a:t>
+            </a:r>
+          </a:p>
+          <a:p>
+            <a:endParaRPr lang="en-GB" dirty="0"/>
+          </a:p>
+          <a:p>
+            <a:r>
+              <a:rPr lang="en-GB" dirty="0"/>
+              <a:t>We can also combine sets using the Cartesian product, which creates tuples of elements from each set; these can be used to define the 2- and 3-dimensional coordinate spaces that we’ll be working in.</a:t>
+            </a:r>
+          </a:p>
+          <a:p>
+            <a:endParaRPr lang="en-GB" dirty="0"/>
+          </a:p>
+          <a:p>
+            <a:r>
+              <a:rPr lang="en-GB" dirty="0"/>
+              <a:t>There are other ways we can combine elements from different sets, too…</a:t>
             </a:r>
           </a:p>
         </p:txBody>
@@ -896,7 +1243,7 @@
           <a:p>
             <a:fld id="{923716F0-385D-4F6E-BE54-A09D410D24C2}" type="slidenum">
               <a:rPr lang="en-US" smtClean="0"/>
-              <a:t>4</a:t>
+              <a:t>3</a:t>
             </a:fld>
             <a:endParaRPr lang="en-US"/>
           </a:p>
@@ -905,7 +1252,7 @@
     </p:spTree>
     <p:extLst>
       <p:ext uri="{BB962C8B-B14F-4D97-AF65-F5344CB8AC3E}">
-        <p14:creationId xmlns:p14="http://schemas.microsoft.com/office/powerpoint/2010/main" val="496700845"/>
+        <p14:creationId xmlns:p14="http://schemas.microsoft.com/office/powerpoint/2010/main" val="3941709379"/>
       </p:ext>
     </p:extLst>
   </p:cSld>
@@ -959,7 +1306,37 @@
           <a:bodyPr/>
           <a:lstStyle/>
           <a:p>
+            <a:r>
+              <a:rPr lang="en-GB" dirty="0"/>
+              <a:t>And that’s using functions, which in mathematical terms are a mapping between sets;</a:t>
+            </a:r>
+          </a:p>
+          <a:p>
             <a:endParaRPr lang="en-GB" dirty="0"/>
+          </a:p>
+          <a:p>
+            <a:r>
+              <a:rPr lang="en-GB" dirty="0"/>
+              <a:t>that we write using this colon and arrow notation []</a:t>
+            </a:r>
+          </a:p>
+          <a:p>
+            <a:endParaRPr lang="en-GB" dirty="0"/>
+          </a:p>
+          <a:p>
+            <a:r>
+              <a:rPr lang="en-GB" dirty="0"/>
+              <a:t>A bit of terminology: S is the domain, and T is the codomain.</a:t>
+            </a:r>
+          </a:p>
+          <a:p>
+            <a:endParaRPr lang="en-GB" dirty="0"/>
+          </a:p>
+          <a:p>
+            <a:r>
+              <a:rPr lang="en-GB" dirty="0"/>
+              <a:t>Something to note is that each element of the domain should map to a single, unique element of the codomain, so that the results are deterministic, although more than one input values could give the same result.</a:t>
+            </a:r>
           </a:p>
         </p:txBody>
       </p:sp>
@@ -980,7 +1357,7 @@
           <a:p>
             <a:fld id="{923716F0-385D-4F6E-BE54-A09D410D24C2}" type="slidenum">
               <a:rPr lang="en-US" smtClean="0"/>
-              <a:t>5</a:t>
+              <a:t>4</a:t>
             </a:fld>
             <a:endParaRPr lang="en-US"/>
           </a:p>
@@ -989,7 +1366,7 @@
     </p:spTree>
     <p:extLst>
       <p:ext uri="{BB962C8B-B14F-4D97-AF65-F5344CB8AC3E}">
-        <p14:creationId xmlns:p14="http://schemas.microsoft.com/office/powerpoint/2010/main" val="3060157585"/>
+        <p14:creationId xmlns:p14="http://schemas.microsoft.com/office/powerpoint/2010/main" val="496700845"/>
       </p:ext>
     </p:extLst>
   </p:cSld>
@@ -1043,7 +1420,36 @@
           <a:bodyPr/>
           <a:lstStyle/>
           <a:p>
+            <a:r>
+              <a:rPr lang="en-GB" dirty="0"/>
+              <a:t>You might be contemplating how functions in maths compare to those in code, so let’s take a look at that now. If we take our general function definition,</a:t>
+            </a:r>
+          </a:p>
+          <a:p>
             <a:endParaRPr lang="en-GB" dirty="0"/>
+          </a:p>
+          <a:p>
+            <a:r>
+              <a:rPr lang="en-GB" dirty="0"/>
+              <a:t>We could write that in C++ like so, defining classes to represent the sets, and writing a function with input of type S and output type T.</a:t>
+            </a:r>
+          </a:p>
+          <a:p>
+            <a:endParaRPr lang="en-GB" dirty="0"/>
+          </a:p>
+          <a:p>
+            <a:r>
+              <a:rPr lang="en-GB" dirty="0"/>
+              <a:t>This is equivalent as long as the only variable the function factors into the computation is the input s, and doesn’t use any </a:t>
+            </a:r>
+            <a:r>
+              <a:rPr lang="en-GB" dirty="0" err="1"/>
+              <a:t>globals</a:t>
+            </a:r>
+            <a:r>
+              <a:rPr lang="en-GB" dirty="0"/>
+              <a:t>, statics, member variables or suchlike to produce different results.</a:t>
+            </a:r>
           </a:p>
         </p:txBody>
       </p:sp>
@@ -1064,7 +1470,7 @@
           <a:p>
             <a:fld id="{923716F0-385D-4F6E-BE54-A09D410D24C2}" type="slidenum">
               <a:rPr lang="en-US" smtClean="0"/>
-              <a:t>6</a:t>
+              <a:t>5</a:t>
             </a:fld>
             <a:endParaRPr lang="en-US"/>
           </a:p>
@@ -1073,7 +1479,7 @@
     </p:spTree>
     <p:extLst>
       <p:ext uri="{BB962C8B-B14F-4D97-AF65-F5344CB8AC3E}">
-        <p14:creationId xmlns:p14="http://schemas.microsoft.com/office/powerpoint/2010/main" val="4237108427"/>
+        <p14:creationId xmlns:p14="http://schemas.microsoft.com/office/powerpoint/2010/main" val="3060157585"/>
       </p:ext>
     </p:extLst>
   </p:cSld>
@@ -1127,7 +1533,28 @@
           <a:bodyPr/>
           <a:lstStyle/>
           <a:p>
+            <a:r>
+              <a:rPr lang="en-GB" dirty="0"/>
+              <a:t>Looking at a more generic example, we can define functions between the established number systems,</a:t>
+            </a:r>
+          </a:p>
+          <a:p>
             <a:endParaRPr lang="en-GB" dirty="0"/>
+          </a:p>
+          <a:p>
+            <a:r>
+              <a:rPr lang="en-GB" dirty="0"/>
+              <a:t>Which are approximated to some extent by the built-in types,</a:t>
+            </a:r>
+          </a:p>
+          <a:p>
+            <a:endParaRPr lang="en-GB" dirty="0"/>
+          </a:p>
+          <a:p>
+            <a:r>
+              <a:rPr lang="en-GB" dirty="0"/>
+              <a:t>Though of course there are some limits on the numerical types in code that there aren’t in maths, and there isn’t an equivalent type to the rational numbers.</a:t>
+            </a:r>
           </a:p>
         </p:txBody>
       </p:sp>
@@ -1148,7 +1575,7 @@
           <a:p>
             <a:fld id="{923716F0-385D-4F6E-BE54-A09D410D24C2}" type="slidenum">
               <a:rPr lang="en-US" smtClean="0"/>
-              <a:t>8</a:t>
+              <a:t>6</a:t>
             </a:fld>
             <a:endParaRPr lang="en-US"/>
           </a:p>
@@ -1157,7 +1584,7 @@
     </p:spTree>
     <p:extLst>
       <p:ext uri="{BB962C8B-B14F-4D97-AF65-F5344CB8AC3E}">
-        <p14:creationId xmlns:p14="http://schemas.microsoft.com/office/powerpoint/2010/main" val="2544381591"/>
+        <p14:creationId xmlns:p14="http://schemas.microsoft.com/office/powerpoint/2010/main" val="4237108427"/>
       </p:ext>
     </p:extLst>
   </p:cSld>
@@ -1211,7 +1638,19 @@
           <a:bodyPr/>
           <a:lstStyle/>
           <a:p>
+            <a:r>
+              <a:rPr lang="en-GB" dirty="0"/>
+              <a:t>We can also have more than one input value; in mathematical terms, this means that the domain is a cartesian product,</a:t>
+            </a:r>
+          </a:p>
+          <a:p>
             <a:endParaRPr lang="en-GB" dirty="0"/>
+          </a:p>
+          <a:p>
+            <a:r>
+              <a:rPr lang="en-GB" dirty="0"/>
+              <a:t>And in code, we just have multiple arguments, potentially of different types.</a:t>
+            </a:r>
           </a:p>
         </p:txBody>
       </p:sp>
@@ -1232,7 +1671,7 @@
           <a:p>
             <a:fld id="{923716F0-385D-4F6E-BE54-A09D410D24C2}" type="slidenum">
               <a:rPr lang="en-US" smtClean="0"/>
-              <a:t>9</a:t>
+              <a:t>7</a:t>
             </a:fld>
             <a:endParaRPr lang="en-US"/>
           </a:p>
@@ -1241,7 +1680,7 @@
     </p:spTree>
     <p:extLst>
       <p:ext uri="{BB962C8B-B14F-4D97-AF65-F5344CB8AC3E}">
-        <p14:creationId xmlns:p14="http://schemas.microsoft.com/office/powerpoint/2010/main" val="3601922633"/>
+        <p14:creationId xmlns:p14="http://schemas.microsoft.com/office/powerpoint/2010/main" val="3692893587"/>
       </p:ext>
     </p:extLst>
   </p:cSld>
@@ -1297,7 +1736,61 @@
           <a:p>
             <a:r>
               <a:rPr lang="en-GB" dirty="0"/>
-              <a:t>As this is a linear function, we can just draw a straight line through the two points. This is obvious with pencil and paper, and in fact pretty easy on a computer too, as most graphics packages include a line primitive, however things get trickier with even slightly more complex functions.</a:t>
+              <a:t>The biggest difference between a lot of maths and code is that while </a:t>
+            </a:r>
+          </a:p>
+          <a:p>
+            <a:endParaRPr lang="en-GB" dirty="0"/>
+          </a:p>
+          <a:p>
+            <a:r>
+              <a:rPr lang="en-GB" dirty="0"/>
+              <a:t>maths can be continuous, and often quite abstract – we can define a function and draw its graph as a smooth line –</a:t>
+            </a:r>
+          </a:p>
+          <a:p>
+            <a:endParaRPr lang="en-GB" dirty="0"/>
+          </a:p>
+          <a:p>
+            <a:r>
+              <a:rPr lang="en-GB" dirty="0"/>
+              <a:t>In computer science, we have to use discrete mathematics to deal with distinct values, because</a:t>
+            </a:r>
+          </a:p>
+          <a:p>
+            <a:endParaRPr lang="en-GB" dirty="0"/>
+          </a:p>
+          <a:p>
+            <a:r>
+              <a:rPr lang="en-GB" dirty="0"/>
+              <a:t>For a start, we can’t actually represent every real number on a computer,</a:t>
+            </a:r>
+          </a:p>
+          <a:p>
+            <a:endParaRPr lang="en-GB" dirty="0"/>
+          </a:p>
+          <a:p>
+            <a:r>
+              <a:rPr lang="en-GB" dirty="0"/>
+              <a:t>And we also can’t realistic evaluate functions at every value, even of those that can be represented.</a:t>
+            </a:r>
+          </a:p>
+          <a:p>
+            <a:endParaRPr lang="en-GB" dirty="0"/>
+          </a:p>
+          <a:p>
+            <a:r>
+              <a:rPr lang="en-GB" dirty="0"/>
+              <a:t>So, in order to implement mathematical functions in code, we need to discretise them, which means evaluating them at representative values to build up a picture of the whole. </a:t>
+            </a:r>
+          </a:p>
+          <a:p>
+            <a:endParaRPr lang="en-GB" dirty="0"/>
+          </a:p>
+          <a:p>
+            <a:r>
+              <a:rPr lang="en-GB" dirty="0"/>
+              <a:t>It’s similar to sampling in signal processing.</a:t>
             </a:r>
           </a:p>
         </p:txBody>
@@ -1319,7 +1812,7 @@
           <a:p>
             <a:fld id="{923716F0-385D-4F6E-BE54-A09D410D24C2}" type="slidenum">
               <a:rPr lang="en-US" smtClean="0"/>
-              <a:t>10</a:t>
+              <a:t>8</a:t>
             </a:fld>
             <a:endParaRPr lang="en-US"/>
           </a:p>
@@ -1328,7 +1821,121 @@
     </p:spTree>
     <p:extLst>
       <p:ext uri="{BB962C8B-B14F-4D97-AF65-F5344CB8AC3E}">
-        <p14:creationId xmlns:p14="http://schemas.microsoft.com/office/powerpoint/2010/main" val="2589138690"/>
+        <p14:creationId xmlns:p14="http://schemas.microsoft.com/office/powerpoint/2010/main" val="2544381591"/>
+      </p:ext>
+    </p:extLst>
+  </p:cSld>
+  <p:clrMapOvr>
+    <a:masterClrMapping/>
+  </p:clrMapOvr>
+</p:notes>
+</file>
+
+<file path=ppt/notesSlides/notesSlide9.xml><?xml version="1.0" encoding="utf-8"?>
+<p:notes xmlns:a="http://schemas.openxmlformats.org/drawingml/2006/main" xmlns:r="http://schemas.openxmlformats.org/officeDocument/2006/relationships" xmlns:p="http://schemas.openxmlformats.org/presentationml/2006/main">
+  <p:cSld>
+    <p:spTree>
+      <p:nvGrpSpPr>
+        <p:cNvPr id="1" name=""/>
+        <p:cNvGrpSpPr/>
+        <p:nvPr/>
+      </p:nvGrpSpPr>
+      <p:grpSpPr>
+        <a:xfrm>
+          <a:off x="0" y="0"/>
+          <a:ext cx="0" cy="0"/>
+          <a:chOff x="0" y="0"/>
+          <a:chExt cx="0" cy="0"/>
+        </a:xfrm>
+      </p:grpSpPr>
+      <p:sp>
+        <p:nvSpPr>
+          <p:cNvPr id="2" name="Slide Image Placeholder 1"/>
+          <p:cNvSpPr>
+            <a:spLocks noGrp="1" noRot="1" noChangeAspect="1"/>
+          </p:cNvSpPr>
+          <p:nvPr>
+            <p:ph type="sldImg"/>
+          </p:nvPr>
+        </p:nvSpPr>
+        <p:spPr/>
+      </p:sp>
+      <p:sp>
+        <p:nvSpPr>
+          <p:cNvPr id="3" name="Notes Placeholder 2"/>
+          <p:cNvSpPr>
+            <a:spLocks noGrp="1"/>
+          </p:cNvSpPr>
+          <p:nvPr>
+            <p:ph type="body" idx="1"/>
+          </p:nvPr>
+        </p:nvSpPr>
+        <p:spPr/>
+        <p:txBody>
+          <a:bodyPr/>
+          <a:lstStyle/>
+          <a:p>
+            <a:r>
+              <a:rPr lang="en-GB" dirty="0"/>
+              <a:t>As an example, if we think about how we’d draw a function y = f(x), </a:t>
+            </a:r>
+          </a:p>
+          <a:p>
+            <a:endParaRPr lang="en-GB" dirty="0"/>
+          </a:p>
+          <a:p>
+            <a:r>
+              <a:rPr lang="en-GB" dirty="0"/>
+              <a:t>Which is made by plotting the coordinates (x, f(x)) for some range of x</a:t>
+            </a:r>
+          </a:p>
+          <a:p>
+            <a:endParaRPr lang="en-GB" dirty="0"/>
+          </a:p>
+          <a:p>
+            <a:r>
+              <a:rPr lang="en-GB" dirty="0"/>
+              <a:t>And we know that each of those points will be unique,</a:t>
+            </a:r>
+          </a:p>
+          <a:p>
+            <a:endParaRPr lang="en-GB" dirty="0"/>
+          </a:p>
+          <a:p>
+            <a:r>
+              <a:rPr lang="en-GB" dirty="0"/>
+              <a:t>So we can build up a picture of the function by evaluating the function at various intervals of x.</a:t>
+            </a:r>
+          </a:p>
+        </p:txBody>
+      </p:sp>
+      <p:sp>
+        <p:nvSpPr>
+          <p:cNvPr id="4" name="Slide Number Placeholder 3"/>
+          <p:cNvSpPr>
+            <a:spLocks noGrp="1"/>
+          </p:cNvSpPr>
+          <p:nvPr>
+            <p:ph type="sldNum" sz="quarter" idx="5"/>
+          </p:nvPr>
+        </p:nvSpPr>
+        <p:spPr/>
+        <p:txBody>
+          <a:bodyPr/>
+          <a:lstStyle/>
+          <a:p>
+            <a:fld id="{923716F0-385D-4F6E-BE54-A09D410D24C2}" type="slidenum">
+              <a:rPr lang="en-US" smtClean="0"/>
+              <a:t>9</a:t>
+            </a:fld>
+            <a:endParaRPr lang="en-US"/>
+          </a:p>
+        </p:txBody>
+      </p:sp>
+    </p:spTree>
+    <p:extLst>
+      <p:ext uri="{BB962C8B-B14F-4D97-AF65-F5344CB8AC3E}">
+        <p14:creationId xmlns:p14="http://schemas.microsoft.com/office/powerpoint/2010/main" val="3601922633"/>
       </p:ext>
     </p:extLst>
   </p:cSld>
@@ -1498,7 +2105,7 @@
           <a:p>
             <a:fld id="{33024136-D290-48F3-A182-4C46BEB5146B}" type="datetime1">
               <a:rPr lang="en-US" smtClean="0"/>
-              <a:t>8/7/2020</a:t>
+              <a:t>8/28/2020</a:t>
             </a:fld>
             <a:endParaRPr lang="en-US" dirty="0"/>
           </a:p>
@@ -1682,7 +2289,7 @@
           <a:p>
             <a:fld id="{9CC7D44C-38B1-4D0F-9006-D5774F331095}" type="datetime1">
               <a:rPr lang="en-US" smtClean="0"/>
-              <a:t>8/7/2020</a:t>
+              <a:t>8/28/2020</a:t>
             </a:fld>
             <a:endParaRPr lang="en-US"/>
           </a:p>
@@ -1876,7 +2483,7 @@
           <a:p>
             <a:fld id="{F98D518A-FD4F-4358-B95B-9DB5A17160FB}" type="datetime1">
               <a:rPr lang="en-US" smtClean="0"/>
-              <a:t>8/7/2020</a:t>
+              <a:t>8/28/2020</a:t>
             </a:fld>
             <a:endParaRPr lang="en-US"/>
           </a:p>
@@ -2069,7 +2676,7 @@
           <a:p>
             <a:fld id="{5E2A9F4F-03AD-4497-A65D-076601BD41D2}" type="datetime1">
               <a:rPr lang="en-US" smtClean="0"/>
-              <a:t>8/7/2020</a:t>
+              <a:t>8/28/2020</a:t>
             </a:fld>
             <a:endParaRPr lang="en-US"/>
           </a:p>
@@ -2292,7 +2899,7 @@
           <a:p>
             <a:fld id="{EDFBF3AC-A781-43AA-8BD5-B12F49168B94}" type="datetime1">
               <a:rPr lang="en-US" smtClean="0"/>
-              <a:t>8/7/2020</a:t>
+              <a:t>8/28/2020</a:t>
             </a:fld>
             <a:endParaRPr lang="en-US"/>
           </a:p>
@@ -2577,7 +3184,7 @@
           <a:p>
             <a:fld id="{C5256A41-C91B-43FF-9881-F5DA9878418F}" type="datetime1">
               <a:rPr lang="en-US" smtClean="0"/>
-              <a:t>8/7/2020</a:t>
+              <a:t>8/28/2020</a:t>
             </a:fld>
             <a:endParaRPr lang="en-US"/>
           </a:p>
@@ -2980,7 +3587,7 @@
           <a:p>
             <a:fld id="{FFD7AA76-41EE-4C13-950E-E611B8B8FC52}" type="datetime1">
               <a:rPr lang="en-US" smtClean="0"/>
-              <a:t>8/7/2020</a:t>
+              <a:t>8/28/2020</a:t>
             </a:fld>
             <a:endParaRPr lang="en-US"/>
           </a:p>
@@ -3127,7 +3734,7 @@
           <a:p>
             <a:fld id="{89407A26-E7BC-4498-97E4-87AF12377CA9}" type="datetime1">
               <a:rPr lang="en-US" smtClean="0"/>
-              <a:t>8/7/2020</a:t>
+              <a:t>8/28/2020</a:t>
             </a:fld>
             <a:endParaRPr lang="en-US"/>
           </a:p>
@@ -3242,7 +3849,7 @@
           <a:p>
             <a:fld id="{93EA4171-1117-4486-993C-35A7470D8847}" type="datetime1">
               <a:rPr lang="en-US" smtClean="0"/>
-              <a:t>8/7/2020</a:t>
+              <a:t>8/28/2020</a:t>
             </a:fld>
             <a:endParaRPr lang="en-US"/>
           </a:p>
@@ -3514,7 +4121,7 @@
           <a:p>
             <a:fld id="{472A4CB8-1563-4663-81DB-74EB416C19BE}" type="datetime1">
               <a:rPr lang="en-US" smtClean="0"/>
-              <a:t>8/7/2020</a:t>
+              <a:t>8/28/2020</a:t>
             </a:fld>
             <a:endParaRPr lang="en-US"/>
           </a:p>
@@ -3850,7 +4457,7 @@
           <a:p>
             <a:fld id="{0C6724CE-2468-448B-87C1-A92EDD78369B}" type="datetime1">
               <a:rPr lang="en-US" smtClean="0"/>
-              <a:t>8/7/2020</a:t>
+              <a:t>8/28/2020</a:t>
             </a:fld>
             <a:endParaRPr lang="en-US"/>
           </a:p>
@@ -4111,7 +4718,7 @@
           <a:p>
             <a:fld id="{4CD11720-76E7-46E6-B0AA-057287C42052}" type="datetime1">
               <a:rPr lang="en-US" smtClean="0"/>
-              <a:t>8/7/2020</a:t>
+              <a:t>8/28/2020</a:t>
             </a:fld>
             <a:endParaRPr lang="en-US" dirty="0"/>
           </a:p>
@@ -8009,7 +8616,7 @@
                 <a:ext cx="2613212" cy="596569"/>
               </a:xfrm>
               <a:blipFill>
-                <a:blip r:embed="rId2"/>
+                <a:blip r:embed="rId3"/>
                 <a:stretch>
                   <a:fillRect/>
                 </a:stretch>
@@ -8578,7 +9185,7 @@
                   <a:avLst/>
                 </a:prstGeom>
                 <a:blipFill>
-                  <a:blip r:embed="rId3"/>
+                  <a:blip r:embed="rId4"/>
                   <a:stretch>
                     <a:fillRect/>
                   </a:stretch>
@@ -8696,7 +9303,7 @@
                   <a:avLst/>
                 </a:prstGeom>
                 <a:blipFill>
-                  <a:blip r:embed="rId4"/>
+                  <a:blip r:embed="rId5"/>
                   <a:stretch>
                     <a:fillRect/>
                   </a:stretch>
@@ -8814,7 +9421,7 @@
                   <a:avLst/>
                 </a:prstGeom>
                 <a:blipFill>
-                  <a:blip r:embed="rId5"/>
+                  <a:blip r:embed="rId6"/>
                   <a:stretch>
                     <a:fillRect/>
                   </a:stretch>
@@ -8932,7 +9539,7 @@
                   <a:avLst/>
                 </a:prstGeom>
                 <a:blipFill>
-                  <a:blip r:embed="rId6"/>
+                  <a:blip r:embed="rId7"/>
                   <a:stretch>
                     <a:fillRect/>
                   </a:stretch>
@@ -9041,7 +9648,7 @@
                   <a:avLst/>
                 </a:prstGeom>
                 <a:blipFill>
-                  <a:blip r:embed="rId7"/>
+                  <a:blip r:embed="rId8"/>
                   <a:stretch>
                     <a:fillRect/>
                   </a:stretch>
@@ -9150,7 +9757,7 @@
                   <a:avLst/>
                 </a:prstGeom>
                 <a:blipFill>
-                  <a:blip r:embed="rId8"/>
+                  <a:blip r:embed="rId9"/>
                   <a:stretch>
                     <a:fillRect/>
                   </a:stretch>
@@ -9259,7 +9866,7 @@
                   <a:avLst/>
                 </a:prstGeom>
                 <a:blipFill>
-                  <a:blip r:embed="rId9"/>
+                  <a:blip r:embed="rId10"/>
                   <a:stretch>
                     <a:fillRect/>
                   </a:stretch>
@@ -9368,7 +9975,7 @@
                   <a:avLst/>
                 </a:prstGeom>
                 <a:blipFill>
-                  <a:blip r:embed="rId10"/>
+                  <a:blip r:embed="rId11"/>
                   <a:stretch>
                     <a:fillRect/>
                   </a:stretch>
@@ -9692,7 +10299,7 @@
                   <a:avLst/>
                 </a:prstGeom>
                 <a:blipFill>
-                  <a:blip r:embed="rId11"/>
+                  <a:blip r:embed="rId12"/>
                   <a:stretch>
                     <a:fillRect/>
                   </a:stretch>
@@ -9801,7 +10408,7 @@
                   <a:avLst/>
                 </a:prstGeom>
                 <a:blipFill>
-                  <a:blip r:embed="rId12"/>
+                  <a:blip r:embed="rId13"/>
                   <a:stretch>
                     <a:fillRect/>
                   </a:stretch>
@@ -9910,7 +10517,7 @@
                   <a:avLst/>
                 </a:prstGeom>
                 <a:blipFill>
-                  <a:blip r:embed="rId13"/>
+                  <a:blip r:embed="rId14"/>
                   <a:stretch>
                     <a:fillRect/>
                   </a:stretch>
@@ -10019,7 +10626,7 @@
                   <a:avLst/>
                 </a:prstGeom>
                 <a:blipFill>
-                  <a:blip r:embed="rId14"/>
+                  <a:blip r:embed="rId15"/>
                   <a:stretch>
                     <a:fillRect/>
                   </a:stretch>
@@ -10128,7 +10735,7 @@
                   <a:avLst/>
                 </a:prstGeom>
                 <a:blipFill>
-                  <a:blip r:embed="rId15"/>
+                  <a:blip r:embed="rId16"/>
                   <a:stretch>
                     <a:fillRect/>
                   </a:stretch>
@@ -10237,7 +10844,7 @@
                   <a:avLst/>
                 </a:prstGeom>
                 <a:blipFill>
-                  <a:blip r:embed="rId16"/>
+                  <a:blip r:embed="rId17"/>
                   <a:stretch>
                     <a:fillRect/>
                   </a:stretch>
@@ -10336,7 +10943,7 @@
                   <a:avLst/>
                 </a:prstGeom>
                 <a:blipFill>
-                  <a:blip r:embed="rId17"/>
+                  <a:blip r:embed="rId18"/>
                   <a:stretch>
                     <a:fillRect/>
                   </a:stretch>
@@ -10432,7 +11039,7 @@
                   <a:avLst/>
                 </a:prstGeom>
                 <a:blipFill>
-                  <a:blip r:embed="rId18"/>
+                  <a:blip r:embed="rId19"/>
                   <a:stretch>
                     <a:fillRect/>
                   </a:stretch>
@@ -10562,7 +11169,7 @@
                   <a:avLst/>
                 </a:prstGeom>
                 <a:blipFill>
-                  <a:blip r:embed="rId19"/>
+                  <a:blip r:embed="rId20"/>
                   <a:stretch>
                     <a:fillRect/>
                   </a:stretch>
@@ -10674,7 +11281,7 @@
                   <a:avLst/>
                 </a:prstGeom>
                 <a:blipFill>
-                  <a:blip r:embed="rId20"/>
+                  <a:blip r:embed="rId21"/>
                   <a:stretch>
                     <a:fillRect/>
                   </a:stretch>
@@ -10942,7 +11549,7 @@
                   <a:avLst/>
                 </a:prstGeom>
                 <a:blipFill>
-                  <a:blip r:embed="rId21"/>
+                  <a:blip r:embed="rId22"/>
                   <a:stretch>
                     <a:fillRect/>
                   </a:stretch>
@@ -11179,7 +11786,7 @@
                   <a:avLst/>
                 </a:prstGeom>
                 <a:blipFill>
-                  <a:blip r:embed="rId22"/>
+                  <a:blip r:embed="rId23"/>
                   <a:stretch>
                     <a:fillRect/>
                   </a:stretch>
@@ -11291,7 +11898,7 @@
                   <a:avLst/>
                 </a:prstGeom>
                 <a:blipFill>
-                  <a:blip r:embed="rId23"/>
+                  <a:blip r:embed="rId24"/>
                   <a:stretch>
                     <a:fillRect/>
                   </a:stretch>
@@ -11507,7 +12114,7 @@
                   <a:avLst/>
                 </a:prstGeom>
                 <a:blipFill>
-                  <a:blip r:embed="rId24"/>
+                  <a:blip r:embed="rId25"/>
                   <a:stretch>
                     <a:fillRect/>
                   </a:stretch>
@@ -11619,7 +12226,7 @@
                   <a:avLst/>
                 </a:prstGeom>
                 <a:blipFill>
-                  <a:blip r:embed="rId25"/>
+                  <a:blip r:embed="rId26"/>
                   <a:stretch>
                     <a:fillRect/>
                   </a:stretch>
@@ -12260,7 +12867,7 @@
       </p:grpSpPr>
       <p:pic>
         <p:nvPicPr>
-          <p:cNvPr id="8" name="Picture 7">
+          <p:cNvPr id="8" name="Picture 7" descr="Simple, red line drawing of a butterfly&#10;">
             <a:extLst>
               <a:ext uri="{FF2B5EF4-FFF2-40B4-BE49-F238E27FC236}">
                 <a16:creationId xmlns:a16="http://schemas.microsoft.com/office/drawing/2014/main" id="{19DA2BCF-D8AF-4E4F-8DF1-C446DA6262AC}"/>
@@ -12273,7 +12880,7 @@
           <p:nvPr/>
         </p:nvPicPr>
         <p:blipFill>
-          <a:blip r:embed="rId2"/>
+          <a:blip r:embed="rId3"/>
           <a:stretch>
             <a:fillRect/>
           </a:stretch>
@@ -12528,8 +13135,8 @@
           </a:p>
         </p:txBody>
       </p:sp>
-      <mc:AlternateContent xmlns:mc="http://schemas.openxmlformats.org/markup-compatibility/2006">
-        <mc:Choice xmlns:a14="http://schemas.microsoft.com/office/drawing/2010/main" Requires="a14">
+      <mc:AlternateContent xmlns:mc="http://schemas.openxmlformats.org/markup-compatibility/2006" xmlns:a14="http://schemas.microsoft.com/office/drawing/2010/main">
+        <mc:Choice Requires="a14">
           <p:sp>
             <p:nvSpPr>
               <p:cNvPr id="3" name="Content Placeholder 2">
@@ -12776,7 +13383,7 @@
             </p:txBody>
           </p:sp>
         </mc:Choice>
-        <mc:Fallback>
+        <mc:Fallback xmlns="">
           <p:sp>
             <p:nvSpPr>
               <p:cNvPr id="3" name="Content Placeholder 2">
@@ -13860,8 +14467,8 @@
           </a:p>
         </p:txBody>
       </p:sp>
-      <mc:AlternateContent xmlns:mc="http://schemas.openxmlformats.org/markup-compatibility/2006" xmlns:a14="http://schemas.microsoft.com/office/drawing/2010/main">
-        <mc:Choice Requires="a14">
+      <mc:AlternateContent xmlns:mc="http://schemas.openxmlformats.org/markup-compatibility/2006">
+        <mc:Choice xmlns:a14="http://schemas.microsoft.com/office/drawing/2010/main" Requires="a14">
           <p:sp>
             <p:nvSpPr>
               <p:cNvPr id="5" name="Content Placeholder 4">
@@ -13973,7 +14580,17 @@
                 <a:pPr marL="457200" indent="-457200"/>
                 <a:r>
                   <a:rPr lang="en-GB" dirty="0"/>
-                  <a:t>(Under the assumption that f is implemented to always give the same return value given the same argument – e.g. no internal or external state)</a:t>
+                  <a:t>(Under the assumption that </a:t>
+                </a:r>
+                <a:r>
+                  <a:rPr lang="en-GB" dirty="0">
+                    <a:latin typeface="Consolas" panose="020B0609020204030204" pitchFamily="49" charset="0"/>
+                  </a:rPr>
+                  <a:t>f</a:t>
+                </a:r>
+                <a:r>
+                  <a:rPr lang="en-GB" dirty="0"/>
+                  <a:t> is implemented to always give the same return value given the same argument – e.g. no internal or external state)</a:t>
                 </a:r>
               </a:p>
               <a:p>
@@ -13982,7 +14599,7 @@
             </p:txBody>
           </p:sp>
         </mc:Choice>
-        <mc:Fallback xmlns="">
+        <mc:Fallback>
           <p:sp>
             <p:nvSpPr>
               <p:cNvPr id="5" name="Content Placeholder 4">
@@ -14916,7 +15533,7 @@
             </p:nvSpPr>
             <p:spPr>
               <a:blipFill>
-                <a:blip r:embed="rId2"/>
+                <a:blip r:embed="rId3"/>
                 <a:stretch>
                   <a:fillRect l="-1059" t="-1733"/>
                 </a:stretch>
@@ -15162,8 +15779,8 @@
           </a:p>
         </p:txBody>
       </p:sp>
-      <mc:AlternateContent xmlns:mc="http://schemas.openxmlformats.org/markup-compatibility/2006" xmlns:a14="http://schemas.microsoft.com/office/drawing/2010/main">
-        <mc:Choice Requires="a14">
+      <mc:AlternateContent xmlns:mc="http://schemas.openxmlformats.org/markup-compatibility/2006">
+        <mc:Choice xmlns:a14="http://schemas.microsoft.com/office/drawing/2010/main" Requires="a14">
           <p:sp>
             <p:nvSpPr>
               <p:cNvPr id="3" name="Content Placeholder 2">
@@ -15187,7 +15804,7 @@
               <a:p>
                 <a:r>
                   <a:rPr lang="en-GB" dirty="0"/>
-                  <a:t>Traditional mathematics is </a:t>
+                  <a:t>Much of traditional mathematics is </a:t>
                 </a:r>
                 <a:r>
                   <a:rPr lang="en-GB" b="1" dirty="0">
@@ -15288,7 +15905,7 @@
             </p:txBody>
           </p:sp>
         </mc:Choice>
-        <mc:Fallback xmlns="">
+        <mc:Fallback>
           <p:sp>
             <p:nvSpPr>
               <p:cNvPr id="3" name="Content Placeholder 2">
@@ -15309,7 +15926,7 @@
               <a:blipFill>
                 <a:blip r:embed="rId4"/>
                 <a:stretch>
-                  <a:fillRect l="-412" t="-1733" r="-1941"/>
+                  <a:fillRect l="-412" t="-1733" r="-529"/>
                 </a:stretch>
               </a:blipFill>
             </p:spPr>

--- a/COMP270/02/2020-21-COMP270-02-lecture-materials-3.pptx
+++ b/COMP270/02/2020-21-COMP270-02-lecture-materials-3.pptx
@@ -254,7 +254,7 @@
           <a:p>
             <a:fld id="{8906F081-8781-4431-8FD4-2CF608CD7C47}" type="datetimeFigureOut">
               <a:rPr lang="en-US" smtClean="0"/>
-              <a:t>8/28/2020</a:t>
+              <a:t>8/29/2020</a:t>
             </a:fld>
             <a:endParaRPr lang="en-US"/>
           </a:p>
@@ -419,7 +419,7 @@
           <a:p>
             <a:fld id="{F06CA47C-B7FD-4BE9-B0E6-81BA758D95F2}" type="datetimeFigureOut">
               <a:rPr lang="en-US" smtClean="0"/>
-              <a:t>8/28/2020</a:t>
+              <a:t>8/29/2020</a:t>
             </a:fld>
             <a:endParaRPr lang="en-US"/>
           </a:p>
@@ -2105,7 +2105,7 @@
           <a:p>
             <a:fld id="{33024136-D290-48F3-A182-4C46BEB5146B}" type="datetime1">
               <a:rPr lang="en-US" smtClean="0"/>
-              <a:t>8/28/2020</a:t>
+              <a:t>8/29/2020</a:t>
             </a:fld>
             <a:endParaRPr lang="en-US" dirty="0"/>
           </a:p>
@@ -2289,7 +2289,7 @@
           <a:p>
             <a:fld id="{9CC7D44C-38B1-4D0F-9006-D5774F331095}" type="datetime1">
               <a:rPr lang="en-US" smtClean="0"/>
-              <a:t>8/28/2020</a:t>
+              <a:t>8/29/2020</a:t>
             </a:fld>
             <a:endParaRPr lang="en-US"/>
           </a:p>
@@ -2483,7 +2483,7 @@
           <a:p>
             <a:fld id="{F98D518A-FD4F-4358-B95B-9DB5A17160FB}" type="datetime1">
               <a:rPr lang="en-US" smtClean="0"/>
-              <a:t>8/28/2020</a:t>
+              <a:t>8/29/2020</a:t>
             </a:fld>
             <a:endParaRPr lang="en-US"/>
           </a:p>
@@ -2676,7 +2676,7 @@
           <a:p>
             <a:fld id="{5E2A9F4F-03AD-4497-A65D-076601BD41D2}" type="datetime1">
               <a:rPr lang="en-US" smtClean="0"/>
-              <a:t>8/28/2020</a:t>
+              <a:t>8/29/2020</a:t>
             </a:fld>
             <a:endParaRPr lang="en-US"/>
           </a:p>
@@ -2899,7 +2899,7 @@
           <a:p>
             <a:fld id="{EDFBF3AC-A781-43AA-8BD5-B12F49168B94}" type="datetime1">
               <a:rPr lang="en-US" smtClean="0"/>
-              <a:t>8/28/2020</a:t>
+              <a:t>8/29/2020</a:t>
             </a:fld>
             <a:endParaRPr lang="en-US"/>
           </a:p>
@@ -3184,7 +3184,7 @@
           <a:p>
             <a:fld id="{C5256A41-C91B-43FF-9881-F5DA9878418F}" type="datetime1">
               <a:rPr lang="en-US" smtClean="0"/>
-              <a:t>8/28/2020</a:t>
+              <a:t>8/29/2020</a:t>
             </a:fld>
             <a:endParaRPr lang="en-US"/>
           </a:p>
@@ -3587,7 +3587,7 @@
           <a:p>
             <a:fld id="{FFD7AA76-41EE-4C13-950E-E611B8B8FC52}" type="datetime1">
               <a:rPr lang="en-US" smtClean="0"/>
-              <a:t>8/28/2020</a:t>
+              <a:t>8/29/2020</a:t>
             </a:fld>
             <a:endParaRPr lang="en-US"/>
           </a:p>
@@ -3734,7 +3734,7 @@
           <a:p>
             <a:fld id="{89407A26-E7BC-4498-97E4-87AF12377CA9}" type="datetime1">
               <a:rPr lang="en-US" smtClean="0"/>
-              <a:t>8/28/2020</a:t>
+              <a:t>8/29/2020</a:t>
             </a:fld>
             <a:endParaRPr lang="en-US"/>
           </a:p>
@@ -3849,7 +3849,7 @@
           <a:p>
             <a:fld id="{93EA4171-1117-4486-993C-35A7470D8847}" type="datetime1">
               <a:rPr lang="en-US" smtClean="0"/>
-              <a:t>8/28/2020</a:t>
+              <a:t>8/29/2020</a:t>
             </a:fld>
             <a:endParaRPr lang="en-US"/>
           </a:p>
@@ -4121,7 +4121,7 @@
           <a:p>
             <a:fld id="{472A4CB8-1563-4663-81DB-74EB416C19BE}" type="datetime1">
               <a:rPr lang="en-US" smtClean="0"/>
-              <a:t>8/28/2020</a:t>
+              <a:t>8/29/2020</a:t>
             </a:fld>
             <a:endParaRPr lang="en-US"/>
           </a:p>
@@ -4457,7 +4457,7 @@
           <a:p>
             <a:fld id="{0C6724CE-2468-448B-87C1-A92EDD78369B}" type="datetime1">
               <a:rPr lang="en-US" smtClean="0"/>
-              <a:t>8/28/2020</a:t>
+              <a:t>8/29/2020</a:t>
             </a:fld>
             <a:endParaRPr lang="en-US"/>
           </a:p>
@@ -4718,7 +4718,7 @@
           <a:p>
             <a:fld id="{4CD11720-76E7-46E6-B0AA-057287C42052}" type="datetime1">
               <a:rPr lang="en-US" smtClean="0"/>
-              <a:t>8/28/2020</a:t>
+              <a:t>8/29/2020</a:t>
             </a:fld>
             <a:endParaRPr lang="en-US" dirty="0"/>
           </a:p>
@@ -8010,6 +8010,9 @@
               <a:ext uri="{FF2B5EF4-FFF2-40B4-BE49-F238E27FC236}">
                 <a16:creationId xmlns:a16="http://schemas.microsoft.com/office/drawing/2014/main" id="{9C5BBF29-908D-4749-9FF2-94F18B5AB0B9}"/>
               </a:ext>
+              <a:ext uri="{C183D7F6-B498-43B3-948B-1728B52AA6E4}">
+                <adec:decorative xmlns:adec="http://schemas.microsoft.com/office/drawing/2017/decorative" val="1"/>
+              </a:ext>
             </a:extLst>
           </p:cNvPr>
           <p:cNvCxnSpPr>
@@ -8330,6 +8333,9 @@
               <a:ext uri="{FF2B5EF4-FFF2-40B4-BE49-F238E27FC236}">
                 <a16:creationId xmlns:a16="http://schemas.microsoft.com/office/drawing/2014/main" id="{D6199B4F-A065-456D-A7DD-8E48EE86F49D}"/>
               </a:ext>
+              <a:ext uri="{C183D7F6-B498-43B3-948B-1728B52AA6E4}">
+                <adec:decorative xmlns:adec="http://schemas.microsoft.com/office/drawing/2017/decorative" val="1"/>
+              </a:ext>
             </a:extLst>
           </p:cNvPr>
           <p:cNvGrpSpPr/>
@@ -8349,6 +8355,9 @@
               <a:extLst>
                 <a:ext uri="{FF2B5EF4-FFF2-40B4-BE49-F238E27FC236}">
                   <a16:creationId xmlns:a16="http://schemas.microsoft.com/office/drawing/2014/main" id="{BE0B8547-7075-41D1-A579-B6D4E2828E3C}"/>
+                </a:ext>
+                <a:ext uri="{C183D7F6-B498-43B3-948B-1728B52AA6E4}">
+                  <adec:decorative xmlns:adec="http://schemas.microsoft.com/office/drawing/2017/decorative" val="1"/>
                 </a:ext>
               </a:extLst>
             </p:cNvPr>
@@ -8395,6 +8404,9 @@
               <a:extLst>
                 <a:ext uri="{FF2B5EF4-FFF2-40B4-BE49-F238E27FC236}">
                   <a16:creationId xmlns:a16="http://schemas.microsoft.com/office/drawing/2014/main" id="{206D88F4-21FE-4C04-AF0A-BF3F365C5312}"/>
+                </a:ext>
+                <a:ext uri="{C183D7F6-B498-43B3-948B-1728B52AA6E4}">
+                  <adec:decorative xmlns:adec="http://schemas.microsoft.com/office/drawing/2017/decorative" val="1"/>
                 </a:ext>
               </a:extLst>
             </p:cNvPr>
@@ -12258,6 +12270,9 @@
               <a:ext uri="{FF2B5EF4-FFF2-40B4-BE49-F238E27FC236}">
                 <a16:creationId xmlns:a16="http://schemas.microsoft.com/office/drawing/2014/main" id="{5D74C139-A8FE-42C5-96C6-9DBF5DB28F79}"/>
               </a:ext>
+              <a:ext uri="{C183D7F6-B498-43B3-948B-1728B52AA6E4}">
+                <adec:decorative xmlns:adec="http://schemas.microsoft.com/office/drawing/2017/decorative" val="1"/>
+              </a:ext>
             </a:extLst>
           </p:cNvPr>
           <p:cNvGrpSpPr/>
@@ -12277,6 +12292,9 @@
               <a:extLst>
                 <a:ext uri="{FF2B5EF4-FFF2-40B4-BE49-F238E27FC236}">
                   <a16:creationId xmlns:a16="http://schemas.microsoft.com/office/drawing/2014/main" id="{084CC132-A920-411E-BBBE-C505E6388877}"/>
+                </a:ext>
+                <a:ext uri="{C183D7F6-B498-43B3-948B-1728B52AA6E4}">
+                  <adec:decorative xmlns:adec="http://schemas.microsoft.com/office/drawing/2017/decorative" val="1"/>
                 </a:ext>
               </a:extLst>
             </p:cNvPr>
@@ -12323,6 +12341,9 @@
               <a:extLst>
                 <a:ext uri="{FF2B5EF4-FFF2-40B4-BE49-F238E27FC236}">
                   <a16:creationId xmlns:a16="http://schemas.microsoft.com/office/drawing/2014/main" id="{47069E62-360E-4222-8458-6CB84158C39A}"/>
+                </a:ext>
+                <a:ext uri="{C183D7F6-B498-43B3-948B-1728B52AA6E4}">
+                  <adec:decorative xmlns:adec="http://schemas.microsoft.com/office/drawing/2017/decorative" val="1"/>
                 </a:ext>
               </a:extLst>
             </p:cNvPr>
@@ -12465,6 +12486,9 @@
               <a:extLst>
                 <a:ext uri="{FF2B5EF4-FFF2-40B4-BE49-F238E27FC236}">
                   <a16:creationId xmlns:a16="http://schemas.microsoft.com/office/drawing/2014/main" id="{C238A48D-FA6E-4549-89AB-D3F8D926BBB6}"/>
+                </a:ext>
+                <a:ext uri="{C183D7F6-B498-43B3-948B-1728B52AA6E4}">
+                  <adec:decorative xmlns:adec="http://schemas.microsoft.com/office/drawing/2017/decorative" val="1"/>
                 </a:ext>
               </a:extLst>
             </p:cNvPr>
@@ -14467,8 +14491,8 @@
           </a:p>
         </p:txBody>
       </p:sp>
-      <mc:AlternateContent xmlns:mc="http://schemas.openxmlformats.org/markup-compatibility/2006">
-        <mc:Choice xmlns:a14="http://schemas.microsoft.com/office/drawing/2010/main" Requires="a14">
+      <mc:AlternateContent xmlns:mc="http://schemas.openxmlformats.org/markup-compatibility/2006" xmlns:a14="http://schemas.microsoft.com/office/drawing/2010/main">
+        <mc:Choice Requires="a14">
           <p:sp>
             <p:nvSpPr>
               <p:cNvPr id="5" name="Content Placeholder 4">
@@ -14599,7 +14623,7 @@
             </p:txBody>
           </p:sp>
         </mc:Choice>
-        <mc:Fallback>
+        <mc:Fallback xmlns="">
           <p:sp>
             <p:nvSpPr>
               <p:cNvPr id="5" name="Content Placeholder 4">
@@ -15779,8 +15803,8 @@
           </a:p>
         </p:txBody>
       </p:sp>
-      <mc:AlternateContent xmlns:mc="http://schemas.openxmlformats.org/markup-compatibility/2006">
-        <mc:Choice xmlns:a14="http://schemas.microsoft.com/office/drawing/2010/main" Requires="a14">
+      <mc:AlternateContent xmlns:mc="http://schemas.openxmlformats.org/markup-compatibility/2006" xmlns:a14="http://schemas.microsoft.com/office/drawing/2010/main">
+        <mc:Choice Requires="a14">
           <p:sp>
             <p:nvSpPr>
               <p:cNvPr id="3" name="Content Placeholder 2">
@@ -15905,7 +15929,7 @@
             </p:txBody>
           </p:sp>
         </mc:Choice>
-        <mc:Fallback>
+        <mc:Fallback xmlns="">
           <p:sp>
             <p:nvSpPr>
               <p:cNvPr id="3" name="Content Placeholder 2">
